--- a/Manuscript/figures/MainText/figures.pptx
+++ b/Manuscript/figures/MainText/figures.pptx
@@ -6,6 +6,7 @@
   </p:sldMasterIdLst>
   <p:sldIdLst>
     <p:sldId id="256" r:id="rId2"/>
+    <p:sldId id="257" r:id="rId3"/>
   </p:sldIdLst>
   <p:sldSz cx="9144000" cy="6858000" type="screen4x3"/>
   <p:notesSz cx="6858000" cy="9144000"/>
@@ -288,7 +289,7 @@
           <a:p>
             <a:fld id="{A95FFBB0-51D8-1047-A4D1-6804AAE3C787}" type="datetimeFigureOut">
               <a:rPr lang="en-US" smtClean="0"/>
-              <a:t>9/4/14</a:t>
+              <a:t>9/10/14</a:t>
             </a:fld>
             <a:endParaRPr lang="en-US"/>
           </a:p>
@@ -458,7 +459,7 @@
           <a:p>
             <a:fld id="{A95FFBB0-51D8-1047-A4D1-6804AAE3C787}" type="datetimeFigureOut">
               <a:rPr lang="en-US" smtClean="0"/>
-              <a:t>9/4/14</a:t>
+              <a:t>9/10/14</a:t>
             </a:fld>
             <a:endParaRPr lang="en-US"/>
           </a:p>
@@ -638,7 +639,7 @@
           <a:p>
             <a:fld id="{A95FFBB0-51D8-1047-A4D1-6804AAE3C787}" type="datetimeFigureOut">
               <a:rPr lang="en-US" smtClean="0"/>
-              <a:t>9/4/14</a:t>
+              <a:t>9/10/14</a:t>
             </a:fld>
             <a:endParaRPr lang="en-US"/>
           </a:p>
@@ -808,7 +809,7 @@
           <a:p>
             <a:fld id="{A95FFBB0-51D8-1047-A4D1-6804AAE3C787}" type="datetimeFigureOut">
               <a:rPr lang="en-US" smtClean="0"/>
-              <a:t>9/4/14</a:t>
+              <a:t>9/10/14</a:t>
             </a:fld>
             <a:endParaRPr lang="en-US"/>
           </a:p>
@@ -1054,7 +1055,7 @@
           <a:p>
             <a:fld id="{A95FFBB0-51D8-1047-A4D1-6804AAE3C787}" type="datetimeFigureOut">
               <a:rPr lang="en-US" smtClean="0"/>
-              <a:t>9/4/14</a:t>
+              <a:t>9/10/14</a:t>
             </a:fld>
             <a:endParaRPr lang="en-US"/>
           </a:p>
@@ -1342,7 +1343,7 @@
           <a:p>
             <a:fld id="{A95FFBB0-51D8-1047-A4D1-6804AAE3C787}" type="datetimeFigureOut">
               <a:rPr lang="en-US" smtClean="0"/>
-              <a:t>9/4/14</a:t>
+              <a:t>9/10/14</a:t>
             </a:fld>
             <a:endParaRPr lang="en-US"/>
           </a:p>
@@ -1764,7 +1765,7 @@
           <a:p>
             <a:fld id="{A95FFBB0-51D8-1047-A4D1-6804AAE3C787}" type="datetimeFigureOut">
               <a:rPr lang="en-US" smtClean="0"/>
-              <a:t>9/4/14</a:t>
+              <a:t>9/10/14</a:t>
             </a:fld>
             <a:endParaRPr lang="en-US"/>
           </a:p>
@@ -1882,7 +1883,7 @@
           <a:p>
             <a:fld id="{A95FFBB0-51D8-1047-A4D1-6804AAE3C787}" type="datetimeFigureOut">
               <a:rPr lang="en-US" smtClean="0"/>
-              <a:t>9/4/14</a:t>
+              <a:t>9/10/14</a:t>
             </a:fld>
             <a:endParaRPr lang="en-US"/>
           </a:p>
@@ -1977,7 +1978,7 @@
           <a:p>
             <a:fld id="{A95FFBB0-51D8-1047-A4D1-6804AAE3C787}" type="datetimeFigureOut">
               <a:rPr lang="en-US" smtClean="0"/>
-              <a:t>9/4/14</a:t>
+              <a:t>9/10/14</a:t>
             </a:fld>
             <a:endParaRPr lang="en-US"/>
           </a:p>
@@ -2254,7 +2255,7 @@
           <a:p>
             <a:fld id="{A95FFBB0-51D8-1047-A4D1-6804AAE3C787}" type="datetimeFigureOut">
               <a:rPr lang="en-US" smtClean="0"/>
-              <a:t>9/4/14</a:t>
+              <a:t>9/10/14</a:t>
             </a:fld>
             <a:endParaRPr lang="en-US"/>
           </a:p>
@@ -2507,7 +2508,7 @@
           <a:p>
             <a:fld id="{A95FFBB0-51D8-1047-A4D1-6804AAE3C787}" type="datetimeFigureOut">
               <a:rPr lang="en-US" smtClean="0"/>
-              <a:t>9/4/14</a:t>
+              <a:t>9/10/14</a:t>
             </a:fld>
             <a:endParaRPr lang="en-US"/>
           </a:p>
@@ -2720,7 +2721,7 @@
           <a:p>
             <a:fld id="{A95FFBB0-51D8-1047-A4D1-6804AAE3C787}" type="datetimeFigureOut">
               <a:rPr lang="en-US" smtClean="0"/>
-              <a:t>9/4/14</a:t>
+              <a:t>9/10/14</a:t>
             </a:fld>
             <a:endParaRPr lang="en-US"/>
           </a:p>
@@ -3638,6 +3639,166 @@
     <p:extLst>
       <p:ext uri="{BB962C8B-B14F-4D97-AF65-F5344CB8AC3E}">
         <p14:creationId xmlns:p14="http://schemas.microsoft.com/office/powerpoint/2010/main" val="594572586"/>
+      </p:ext>
+    </p:extLst>
+  </p:cSld>
+  <p:clrMapOvr>
+    <a:masterClrMapping/>
+  </p:clrMapOvr>
+</p:sld>
+</file>
+
+<file path=ppt/slides/slide2.xml><?xml version="1.0" encoding="utf-8"?>
+<p:sld xmlns:a="http://schemas.openxmlformats.org/drawingml/2006/main" xmlns:r="http://schemas.openxmlformats.org/officeDocument/2006/relationships" xmlns:p="http://schemas.openxmlformats.org/presentationml/2006/main">
+  <p:cSld>
+    <p:spTree>
+      <p:nvGrpSpPr>
+        <p:cNvPr id="1" name=""/>
+        <p:cNvGrpSpPr/>
+        <p:nvPr/>
+      </p:nvGrpSpPr>
+      <p:grpSpPr>
+        <a:xfrm>
+          <a:off x="0" y="0"/>
+          <a:ext cx="0" cy="0"/>
+          <a:chOff x="0" y="0"/>
+          <a:chExt cx="0" cy="0"/>
+        </a:xfrm>
+      </p:grpSpPr>
+      <p:pic>
+        <p:nvPicPr>
+          <p:cNvPr id="4" name="Picture 3" descr="nyp_bias_r2.pdf"/>
+          <p:cNvPicPr>
+            <a:picLocks noChangeAspect="1"/>
+          </p:cNvPicPr>
+          <p:nvPr/>
+        </p:nvPicPr>
+        <p:blipFill rotWithShape="1">
+          <a:blip r:embed="rId2">
+            <a:extLst>
+              <a:ext uri="{28A0092B-C50C-407E-A947-70E740481C1C}">
+                <a14:useLocalDpi xmlns:a14="http://schemas.microsoft.com/office/drawing/2010/main" val="0"/>
+              </a:ext>
+            </a:extLst>
+          </a:blip>
+          <a:srcRect b="49340"/>
+          <a:stretch/>
+        </p:blipFill>
+        <p:spPr>
+          <a:xfrm>
+            <a:off x="1580743" y="635080"/>
+            <a:ext cx="5667007" cy="2296727"/>
+          </a:xfrm>
+          <a:prstGeom prst="rect">
+            <a:avLst/>
+          </a:prstGeom>
+        </p:spPr>
+      </p:pic>
+      <p:pic>
+        <p:nvPicPr>
+          <p:cNvPr id="5" name="Picture 4" descr="nyp_bias_r2.pdf"/>
+          <p:cNvPicPr>
+            <a:picLocks noChangeAspect="1"/>
+          </p:cNvPicPr>
+          <p:nvPr/>
+        </p:nvPicPr>
+        <p:blipFill rotWithShape="1">
+          <a:blip r:embed="rId3">
+            <a:extLst>
+              <a:ext uri="{28A0092B-C50C-407E-A947-70E740481C1C}">
+                <a14:useLocalDpi xmlns:a14="http://schemas.microsoft.com/office/drawing/2010/main" val="0"/>
+              </a:ext>
+            </a:extLst>
+          </a:blip>
+          <a:srcRect t="50660"/>
+          <a:stretch/>
+        </p:blipFill>
+        <p:spPr>
+          <a:xfrm>
+            <a:off x="1580743" y="3586266"/>
+            <a:ext cx="5667007" cy="2236879"/>
+          </a:xfrm>
+          <a:prstGeom prst="rect">
+            <a:avLst/>
+          </a:prstGeom>
+        </p:spPr>
+      </p:pic>
+      <p:sp>
+        <p:nvSpPr>
+          <p:cNvPr id="6" name="TextBox 5"/>
+          <p:cNvSpPr txBox="1"/>
+          <p:nvPr/>
+        </p:nvSpPr>
+        <p:spPr>
+          <a:xfrm>
+            <a:off x="3386558" y="327303"/>
+            <a:ext cx="2057804" cy="307777"/>
+          </a:xfrm>
+          <a:prstGeom prst="rect">
+            <a:avLst/>
+          </a:prstGeom>
+          <a:noFill/>
+        </p:spPr>
+        <p:txBody>
+          <a:bodyPr wrap="square" rtlCol="0">
+            <a:spAutoFit/>
+          </a:bodyPr>
+          <a:lstStyle/>
+          <a:p>
+            <a:r>
+              <a:rPr lang="en-US" sz="1400" dirty="0" smtClean="0">
+                <a:latin typeface="Arial"/>
+                <a:cs typeface="Arial"/>
+              </a:rPr>
+              <a:t>Empirical Frequencies</a:t>
+            </a:r>
+            <a:endParaRPr lang="en-US" sz="1400" dirty="0">
+              <a:latin typeface="Arial"/>
+              <a:cs typeface="Arial"/>
+            </a:endParaRPr>
+          </a:p>
+        </p:txBody>
+      </p:sp>
+      <p:sp>
+        <p:nvSpPr>
+          <p:cNvPr id="7" name="TextBox 6"/>
+          <p:cNvSpPr txBox="1"/>
+          <p:nvPr/>
+        </p:nvSpPr>
+        <p:spPr>
+          <a:xfrm>
+            <a:off x="3538958" y="3278489"/>
+            <a:ext cx="1611432" cy="307777"/>
+          </a:xfrm>
+          <a:prstGeom prst="rect">
+            <a:avLst/>
+          </a:prstGeom>
+          <a:noFill/>
+        </p:spPr>
+        <p:txBody>
+          <a:bodyPr wrap="square" rtlCol="0">
+            <a:spAutoFit/>
+          </a:bodyPr>
+          <a:lstStyle/>
+          <a:p>
+            <a:r>
+              <a:rPr lang="en-US" sz="1400" dirty="0" smtClean="0">
+                <a:latin typeface="Arial"/>
+                <a:cs typeface="Arial"/>
+              </a:rPr>
+              <a:t>True Frequencies</a:t>
+            </a:r>
+            <a:endParaRPr lang="en-US" sz="1400" dirty="0">
+              <a:latin typeface="Arial"/>
+              <a:cs typeface="Arial"/>
+            </a:endParaRPr>
+          </a:p>
+        </p:txBody>
+      </p:sp>
+    </p:spTree>
+    <p:extLst>
+      <p:ext uri="{BB962C8B-B14F-4D97-AF65-F5344CB8AC3E}">
+        <p14:creationId xmlns:p14="http://schemas.microsoft.com/office/powerpoint/2010/main" val="1433082632"/>
       </p:ext>
     </p:extLst>
   </p:cSld>

--- a/Manuscript/figures/MainText/figures.pptx
+++ b/Manuscript/figures/MainText/figures.pptx
@@ -289,7 +289,7 @@
           <a:p>
             <a:fld id="{A95FFBB0-51D8-1047-A4D1-6804AAE3C787}" type="datetimeFigureOut">
               <a:rPr lang="en-US" smtClean="0"/>
-              <a:t>9/10/14</a:t>
+              <a:t>9/12/14</a:t>
             </a:fld>
             <a:endParaRPr lang="en-US"/>
           </a:p>
@@ -459,7 +459,7 @@
           <a:p>
             <a:fld id="{A95FFBB0-51D8-1047-A4D1-6804AAE3C787}" type="datetimeFigureOut">
               <a:rPr lang="en-US" smtClean="0"/>
-              <a:t>9/10/14</a:t>
+              <a:t>9/12/14</a:t>
             </a:fld>
             <a:endParaRPr lang="en-US"/>
           </a:p>
@@ -639,7 +639,7 @@
           <a:p>
             <a:fld id="{A95FFBB0-51D8-1047-A4D1-6804AAE3C787}" type="datetimeFigureOut">
               <a:rPr lang="en-US" smtClean="0"/>
-              <a:t>9/10/14</a:t>
+              <a:t>9/12/14</a:t>
             </a:fld>
             <a:endParaRPr lang="en-US"/>
           </a:p>
@@ -809,7 +809,7 @@
           <a:p>
             <a:fld id="{A95FFBB0-51D8-1047-A4D1-6804AAE3C787}" type="datetimeFigureOut">
               <a:rPr lang="en-US" smtClean="0"/>
-              <a:t>9/10/14</a:t>
+              <a:t>9/12/14</a:t>
             </a:fld>
             <a:endParaRPr lang="en-US"/>
           </a:p>
@@ -1055,7 +1055,7 @@
           <a:p>
             <a:fld id="{A95FFBB0-51D8-1047-A4D1-6804AAE3C787}" type="datetimeFigureOut">
               <a:rPr lang="en-US" smtClean="0"/>
-              <a:t>9/10/14</a:t>
+              <a:t>9/12/14</a:t>
             </a:fld>
             <a:endParaRPr lang="en-US"/>
           </a:p>
@@ -1343,7 +1343,7 @@
           <a:p>
             <a:fld id="{A95FFBB0-51D8-1047-A4D1-6804AAE3C787}" type="datetimeFigureOut">
               <a:rPr lang="en-US" smtClean="0"/>
-              <a:t>9/10/14</a:t>
+              <a:t>9/12/14</a:t>
             </a:fld>
             <a:endParaRPr lang="en-US"/>
           </a:p>
@@ -1765,7 +1765,7 @@
           <a:p>
             <a:fld id="{A95FFBB0-51D8-1047-A4D1-6804AAE3C787}" type="datetimeFigureOut">
               <a:rPr lang="en-US" smtClean="0"/>
-              <a:t>9/10/14</a:t>
+              <a:t>9/12/14</a:t>
             </a:fld>
             <a:endParaRPr lang="en-US"/>
           </a:p>
@@ -1883,7 +1883,7 @@
           <a:p>
             <a:fld id="{A95FFBB0-51D8-1047-A4D1-6804AAE3C787}" type="datetimeFigureOut">
               <a:rPr lang="en-US" smtClean="0"/>
-              <a:t>9/10/14</a:t>
+              <a:t>9/12/14</a:t>
             </a:fld>
             <a:endParaRPr lang="en-US"/>
           </a:p>
@@ -1978,7 +1978,7 @@
           <a:p>
             <a:fld id="{A95FFBB0-51D8-1047-A4D1-6804AAE3C787}" type="datetimeFigureOut">
               <a:rPr lang="en-US" smtClean="0"/>
-              <a:t>9/10/14</a:t>
+              <a:t>9/12/14</a:t>
             </a:fld>
             <a:endParaRPr lang="en-US"/>
           </a:p>
@@ -2255,7 +2255,7 @@
           <a:p>
             <a:fld id="{A95FFBB0-51D8-1047-A4D1-6804AAE3C787}" type="datetimeFigureOut">
               <a:rPr lang="en-US" smtClean="0"/>
-              <a:t>9/10/14</a:t>
+              <a:t>9/12/14</a:t>
             </a:fld>
             <a:endParaRPr lang="en-US"/>
           </a:p>
@@ -2508,7 +2508,7 @@
           <a:p>
             <a:fld id="{A95FFBB0-51D8-1047-A4D1-6804AAE3C787}" type="datetimeFigureOut">
               <a:rPr lang="en-US" smtClean="0"/>
-              <a:t>9/10/14</a:t>
+              <a:t>9/12/14</a:t>
             </a:fld>
             <a:endParaRPr lang="en-US"/>
           </a:p>
@@ -2721,7 +2721,7 @@
           <a:p>
             <a:fld id="{A95FFBB0-51D8-1047-A4D1-6804AAE3C787}" type="datetimeFigureOut">
               <a:rPr lang="en-US" smtClean="0"/>
-              <a:t>9/10/14</a:t>
+              <a:t>9/12/14</a:t>
             </a:fld>
             <a:endParaRPr lang="en-US"/>
           </a:p>
@@ -3104,7 +3104,7 @@
         </p:nvSpPr>
         <p:spPr>
           <a:xfrm>
-            <a:off x="1763372" y="2413989"/>
+            <a:off x="1919291" y="2374762"/>
             <a:ext cx="908702" cy="369332"/>
           </a:xfrm>
           <a:prstGeom prst="rect">
@@ -3176,8 +3176,8 @@
         </p:nvSpPr>
         <p:spPr>
           <a:xfrm>
-            <a:off x="3971379" y="1714964"/>
-            <a:ext cx="876335" cy="276999"/>
+            <a:off x="4134784" y="1714964"/>
+            <a:ext cx="640562" cy="276999"/>
           </a:xfrm>
           <a:prstGeom prst="rect">
             <a:avLst/>
@@ -3212,8 +3212,8 @@
         </p:nvCxnSpPr>
         <p:spPr>
           <a:xfrm flipV="1">
-            <a:off x="2720631" y="2616616"/>
-            <a:ext cx="1039046" cy="3081"/>
+            <a:off x="2772178" y="2616617"/>
+            <a:ext cx="993326" cy="3080"/>
           </a:xfrm>
           <a:prstGeom prst="straightConnector1">
             <a:avLst/>
@@ -3249,7 +3249,7 @@
         </p:nvSpPr>
         <p:spPr>
           <a:xfrm>
-            <a:off x="3765504" y="2201117"/>
+            <a:off x="3806033" y="2201117"/>
             <a:ext cx="1289048" cy="830997"/>
           </a:xfrm>
           <a:prstGeom prst="rect">
@@ -3355,12 +3355,12 @@
         </p:nvCxnSpPr>
         <p:spPr>
           <a:xfrm flipV="1">
-            <a:off x="2182502" y="1974875"/>
-            <a:ext cx="3905905" cy="439114"/>
+            <a:off x="2392921" y="1974875"/>
+            <a:ext cx="3695486" cy="439114"/>
           </a:xfrm>
           <a:prstGeom prst="bentConnector3">
             <a:avLst>
-              <a:gd name="adj1" fmla="val 8"/>
+              <a:gd name="adj1" fmla="val 300"/>
             </a:avLst>
           </a:prstGeom>
           <a:ln>
@@ -3532,36 +3532,6 @@
           </a:p>
         </p:txBody>
       </p:sp>
-      <p:pic>
-        <p:nvPicPr>
-          <p:cNvPr id="81" name="Picture 80" descr="regression_convergence_2panels.pdf"/>
-          <p:cNvPicPr>
-            <a:picLocks noChangeAspect="1"/>
-          </p:cNvPicPr>
-          <p:nvPr/>
-        </p:nvPicPr>
-        <p:blipFill>
-          <a:blip r:embed="rId2">
-            <a:extLst>
-              <a:ext uri="{28A0092B-C50C-407E-A947-70E740481C1C}">
-                <a14:useLocalDpi xmlns:a14="http://schemas.microsoft.com/office/drawing/2010/main" val="0"/>
-              </a:ext>
-            </a:extLst>
-          </a:blip>
-          <a:stretch>
-            <a:fillRect/>
-          </a:stretch>
-        </p:blipFill>
-        <p:spPr>
-          <a:xfrm>
-            <a:off x="1763372" y="3223252"/>
-            <a:ext cx="5276191" cy="2499248"/>
-          </a:xfrm>
-          <a:prstGeom prst="rect">
-            <a:avLst/>
-          </a:prstGeom>
-        </p:spPr>
-      </p:pic>
       <p:cxnSp>
         <p:nvCxnSpPr>
           <p:cNvPr id="99" name="Straight Arrow Connector 98"/>
@@ -3570,8 +3540,8 @@
         </p:nvCxnSpPr>
         <p:spPr>
           <a:xfrm flipV="1">
-            <a:off x="5013717" y="2616616"/>
-            <a:ext cx="1039046" cy="3081"/>
+            <a:off x="5095081" y="2616616"/>
+            <a:ext cx="993326" cy="3081"/>
           </a:xfrm>
           <a:prstGeom prst="straightConnector1">
             <a:avLst/>
@@ -3599,16 +3569,46 @@
           </a:fontRef>
         </p:style>
       </p:cxnSp>
-      <p:sp>
-        <p:nvSpPr>
-          <p:cNvPr id="71" name="TextBox 70"/>
+      <p:pic>
+        <p:nvPicPr>
+          <p:cNvPr id="2" name="Picture 1" descr="regression_convergence.pdf"/>
+          <p:cNvPicPr>
+            <a:picLocks noChangeAspect="1"/>
+          </p:cNvPicPr>
+          <p:nvPr/>
+        </p:nvPicPr>
+        <p:blipFill>
+          <a:blip r:embed="rId2">
+            <a:extLst>
+              <a:ext uri="{28A0092B-C50C-407E-A947-70E740481C1C}">
+                <a14:useLocalDpi xmlns:a14="http://schemas.microsoft.com/office/drawing/2010/main" val="0"/>
+              </a:ext>
+            </a:extLst>
+          </a:blip>
+          <a:stretch>
+            <a:fillRect/>
+          </a:stretch>
+        </p:blipFill>
+        <p:spPr>
+          <a:xfrm>
+            <a:off x="1663726" y="3189558"/>
+            <a:ext cx="5452244" cy="2582642"/>
+          </a:xfrm>
+          <a:prstGeom prst="rect">
+            <a:avLst/>
+          </a:prstGeom>
+        </p:spPr>
+      </p:pic>
+      <p:sp>
+        <p:nvSpPr>
+          <p:cNvPr id="23" name="TextBox 22"/>
           <p:cNvSpPr txBox="1"/>
           <p:nvPr/>
         </p:nvSpPr>
         <p:spPr>
           <a:xfrm>
-            <a:off x="1663726" y="1463040"/>
-            <a:ext cx="353576" cy="461665"/>
+            <a:off x="1919291" y="1468742"/>
+            <a:ext cx="308290" cy="461665"/>
           </a:xfrm>
           <a:prstGeom prst="rect">
             <a:avLst/>
@@ -3622,13 +3622,13 @@
           <a:lstStyle/>
           <a:p>
             <a:r>
-              <a:rPr lang="en-US" sz="2300" dirty="0" smtClean="0">
+              <a:rPr lang="en-US" sz="2400" dirty="0" smtClean="0">
                 <a:latin typeface="Arial"/>
                 <a:cs typeface="Arial"/>
               </a:rPr>
               <a:t>A</a:t>
             </a:r>
-            <a:endParaRPr lang="en-US" sz="2300" dirty="0">
+            <a:endParaRPr lang="en-US" sz="2400" dirty="0">
               <a:latin typeface="Arial"/>
               <a:cs typeface="Arial"/>
             </a:endParaRPr>
@@ -3665,9 +3665,81 @@
           <a:chExt cx="0" cy="0"/>
         </a:xfrm>
       </p:grpSpPr>
+      <p:sp>
+        <p:nvSpPr>
+          <p:cNvPr id="6" name="TextBox 5"/>
+          <p:cNvSpPr txBox="1"/>
+          <p:nvPr/>
+        </p:nvSpPr>
+        <p:spPr>
+          <a:xfrm>
+            <a:off x="3386558" y="357870"/>
+            <a:ext cx="2057804" cy="307777"/>
+          </a:xfrm>
+          <a:prstGeom prst="rect">
+            <a:avLst/>
+          </a:prstGeom>
+          <a:noFill/>
+        </p:spPr>
+        <p:txBody>
+          <a:bodyPr wrap="square" rtlCol="0">
+            <a:spAutoFit/>
+          </a:bodyPr>
+          <a:lstStyle/>
+          <a:p>
+            <a:r>
+              <a:rPr lang="en-US" sz="1400" dirty="0" smtClean="0">
+                <a:latin typeface="Arial"/>
+                <a:cs typeface="Arial"/>
+              </a:rPr>
+              <a:t>Empirical Frequencies</a:t>
+            </a:r>
+            <a:endParaRPr lang="en-US" sz="1400" dirty="0">
+              <a:latin typeface="Arial"/>
+              <a:cs typeface="Arial"/>
+            </a:endParaRPr>
+          </a:p>
+        </p:txBody>
+      </p:sp>
+      <p:sp>
+        <p:nvSpPr>
+          <p:cNvPr id="7" name="TextBox 6"/>
+          <p:cNvSpPr txBox="1"/>
+          <p:nvPr/>
+        </p:nvSpPr>
+        <p:spPr>
+          <a:xfrm>
+            <a:off x="3538958" y="3388876"/>
+            <a:ext cx="1611432" cy="307777"/>
+          </a:xfrm>
+          <a:prstGeom prst="rect">
+            <a:avLst/>
+          </a:prstGeom>
+          <a:noFill/>
+        </p:spPr>
+        <p:txBody>
+          <a:bodyPr wrap="square" rtlCol="0">
+            <a:spAutoFit/>
+          </a:bodyPr>
+          <a:lstStyle/>
+          <a:p>
+            <a:r>
+              <a:rPr lang="en-US" sz="1400" dirty="0" smtClean="0">
+                <a:latin typeface="Arial"/>
+                <a:cs typeface="Arial"/>
+              </a:rPr>
+              <a:t>True Frequencies</a:t>
+            </a:r>
+            <a:endParaRPr lang="en-US" sz="1400" dirty="0">
+              <a:latin typeface="Arial"/>
+              <a:cs typeface="Arial"/>
+            </a:endParaRPr>
+          </a:p>
+        </p:txBody>
+      </p:sp>
       <p:pic>
         <p:nvPicPr>
-          <p:cNvPr id="4" name="Picture 3" descr="nyp_bias_r2.pdf"/>
+          <p:cNvPr id="2" name="Picture 1" descr="nyp_bias_r2.pdf"/>
           <p:cNvPicPr>
             <a:picLocks noChangeAspect="1"/>
           </p:cNvPicPr>
@@ -3681,13 +3753,13 @@
               </a:ext>
             </a:extLst>
           </a:blip>
-          <a:srcRect b="49340"/>
+          <a:srcRect b="49457"/>
           <a:stretch/>
         </p:blipFill>
         <p:spPr>
           <a:xfrm>
-            <a:off x="1580743" y="635080"/>
-            <a:ext cx="5667007" cy="2296727"/>
+            <a:off x="1301712" y="635081"/>
+            <a:ext cx="6143686" cy="2484154"/>
           </a:xfrm>
           <a:prstGeom prst="rect">
             <a:avLst/>
@@ -3696,105 +3768,33 @@
       </p:pic>
       <p:pic>
         <p:nvPicPr>
-          <p:cNvPr id="5" name="Picture 4" descr="nyp_bias_r2.pdf"/>
+          <p:cNvPr id="8" name="Picture 7" descr="nyp_bias_r2.pdf"/>
           <p:cNvPicPr>
             <a:picLocks noChangeAspect="1"/>
           </p:cNvPicPr>
           <p:nvPr/>
         </p:nvPicPr>
         <p:blipFill rotWithShape="1">
-          <a:blip r:embed="rId3">
+          <a:blip r:embed="rId2">
             <a:extLst>
               <a:ext uri="{28A0092B-C50C-407E-A947-70E740481C1C}">
                 <a14:useLocalDpi xmlns:a14="http://schemas.microsoft.com/office/drawing/2010/main" val="0"/>
               </a:ext>
             </a:extLst>
           </a:blip>
-          <a:srcRect t="50660"/>
+          <a:srcRect t="50543"/>
           <a:stretch/>
         </p:blipFill>
         <p:spPr>
           <a:xfrm>
-            <a:off x="1580743" y="3586266"/>
-            <a:ext cx="5667007" cy="2236879"/>
+            <a:off x="1301712" y="3685346"/>
+            <a:ext cx="6143686" cy="2430794"/>
           </a:xfrm>
           <a:prstGeom prst="rect">
             <a:avLst/>
           </a:prstGeom>
         </p:spPr>
       </p:pic>
-      <p:sp>
-        <p:nvSpPr>
-          <p:cNvPr id="6" name="TextBox 5"/>
-          <p:cNvSpPr txBox="1"/>
-          <p:nvPr/>
-        </p:nvSpPr>
-        <p:spPr>
-          <a:xfrm>
-            <a:off x="3386558" y="327303"/>
-            <a:ext cx="2057804" cy="307777"/>
-          </a:xfrm>
-          <a:prstGeom prst="rect">
-            <a:avLst/>
-          </a:prstGeom>
-          <a:noFill/>
-        </p:spPr>
-        <p:txBody>
-          <a:bodyPr wrap="square" rtlCol="0">
-            <a:spAutoFit/>
-          </a:bodyPr>
-          <a:lstStyle/>
-          <a:p>
-            <a:r>
-              <a:rPr lang="en-US" sz="1400" dirty="0" smtClean="0">
-                <a:latin typeface="Arial"/>
-                <a:cs typeface="Arial"/>
-              </a:rPr>
-              <a:t>Empirical Frequencies</a:t>
-            </a:r>
-            <a:endParaRPr lang="en-US" sz="1400" dirty="0">
-              <a:latin typeface="Arial"/>
-              <a:cs typeface="Arial"/>
-            </a:endParaRPr>
-          </a:p>
-        </p:txBody>
-      </p:sp>
-      <p:sp>
-        <p:nvSpPr>
-          <p:cNvPr id="7" name="TextBox 6"/>
-          <p:cNvSpPr txBox="1"/>
-          <p:nvPr/>
-        </p:nvSpPr>
-        <p:spPr>
-          <a:xfrm>
-            <a:off x="3538958" y="3278489"/>
-            <a:ext cx="1611432" cy="307777"/>
-          </a:xfrm>
-          <a:prstGeom prst="rect">
-            <a:avLst/>
-          </a:prstGeom>
-          <a:noFill/>
-        </p:spPr>
-        <p:txBody>
-          <a:bodyPr wrap="square" rtlCol="0">
-            <a:spAutoFit/>
-          </a:bodyPr>
-          <a:lstStyle/>
-          <a:p>
-            <a:r>
-              <a:rPr lang="en-US" sz="1400" dirty="0" smtClean="0">
-                <a:latin typeface="Arial"/>
-                <a:cs typeface="Arial"/>
-              </a:rPr>
-              <a:t>True Frequencies</a:t>
-            </a:r>
-            <a:endParaRPr lang="en-US" sz="1400" dirty="0">
-              <a:latin typeface="Arial"/>
-              <a:cs typeface="Arial"/>
-            </a:endParaRPr>
-          </a:p>
-        </p:txBody>
-      </p:sp>
     </p:spTree>
     <p:extLst>
       <p:ext uri="{BB962C8B-B14F-4D97-AF65-F5344CB8AC3E}">

--- a/Manuscript/figures/MainText/figures.pptx
+++ b/Manuscript/figures/MainText/figures.pptx
@@ -6,7 +6,6 @@
   </p:sldMasterIdLst>
   <p:sldIdLst>
     <p:sldId id="256" r:id="rId2"/>
-    <p:sldId id="257" r:id="rId3"/>
   </p:sldIdLst>
   <p:sldSz cx="9144000" cy="6858000" type="screen4x3"/>
   <p:notesSz cx="6858000" cy="9144000"/>
@@ -289,7 +288,7 @@
           <a:p>
             <a:fld id="{A95FFBB0-51D8-1047-A4D1-6804AAE3C787}" type="datetimeFigureOut">
               <a:rPr lang="en-US" smtClean="0"/>
-              <a:t>9/12/14</a:t>
+              <a:t>10/3/14</a:t>
             </a:fld>
             <a:endParaRPr lang="en-US"/>
           </a:p>
@@ -459,7 +458,7 @@
           <a:p>
             <a:fld id="{A95FFBB0-51D8-1047-A4D1-6804AAE3C787}" type="datetimeFigureOut">
               <a:rPr lang="en-US" smtClean="0"/>
-              <a:t>9/12/14</a:t>
+              <a:t>10/3/14</a:t>
             </a:fld>
             <a:endParaRPr lang="en-US"/>
           </a:p>
@@ -639,7 +638,7 @@
           <a:p>
             <a:fld id="{A95FFBB0-51D8-1047-A4D1-6804AAE3C787}" type="datetimeFigureOut">
               <a:rPr lang="en-US" smtClean="0"/>
-              <a:t>9/12/14</a:t>
+              <a:t>10/3/14</a:t>
             </a:fld>
             <a:endParaRPr lang="en-US"/>
           </a:p>
@@ -809,7 +808,7 @@
           <a:p>
             <a:fld id="{A95FFBB0-51D8-1047-A4D1-6804AAE3C787}" type="datetimeFigureOut">
               <a:rPr lang="en-US" smtClean="0"/>
-              <a:t>9/12/14</a:t>
+              <a:t>10/3/14</a:t>
             </a:fld>
             <a:endParaRPr lang="en-US"/>
           </a:p>
@@ -1055,7 +1054,7 @@
           <a:p>
             <a:fld id="{A95FFBB0-51D8-1047-A4D1-6804AAE3C787}" type="datetimeFigureOut">
               <a:rPr lang="en-US" smtClean="0"/>
-              <a:t>9/12/14</a:t>
+              <a:t>10/3/14</a:t>
             </a:fld>
             <a:endParaRPr lang="en-US"/>
           </a:p>
@@ -1343,7 +1342,7 @@
           <a:p>
             <a:fld id="{A95FFBB0-51D8-1047-A4D1-6804AAE3C787}" type="datetimeFigureOut">
               <a:rPr lang="en-US" smtClean="0"/>
-              <a:t>9/12/14</a:t>
+              <a:t>10/3/14</a:t>
             </a:fld>
             <a:endParaRPr lang="en-US"/>
           </a:p>
@@ -1765,7 +1764,7 @@
           <a:p>
             <a:fld id="{A95FFBB0-51D8-1047-A4D1-6804AAE3C787}" type="datetimeFigureOut">
               <a:rPr lang="en-US" smtClean="0"/>
-              <a:t>9/12/14</a:t>
+              <a:t>10/3/14</a:t>
             </a:fld>
             <a:endParaRPr lang="en-US"/>
           </a:p>
@@ -1883,7 +1882,7 @@
           <a:p>
             <a:fld id="{A95FFBB0-51D8-1047-A4D1-6804AAE3C787}" type="datetimeFigureOut">
               <a:rPr lang="en-US" smtClean="0"/>
-              <a:t>9/12/14</a:t>
+              <a:t>10/3/14</a:t>
             </a:fld>
             <a:endParaRPr lang="en-US"/>
           </a:p>
@@ -1978,7 +1977,7 @@
           <a:p>
             <a:fld id="{A95FFBB0-51D8-1047-A4D1-6804AAE3C787}" type="datetimeFigureOut">
               <a:rPr lang="en-US" smtClean="0"/>
-              <a:t>9/12/14</a:t>
+              <a:t>10/3/14</a:t>
             </a:fld>
             <a:endParaRPr lang="en-US"/>
           </a:p>
@@ -2255,7 +2254,7 @@
           <a:p>
             <a:fld id="{A95FFBB0-51D8-1047-A4D1-6804AAE3C787}" type="datetimeFigureOut">
               <a:rPr lang="en-US" smtClean="0"/>
-              <a:t>9/12/14</a:t>
+              <a:t>10/3/14</a:t>
             </a:fld>
             <a:endParaRPr lang="en-US"/>
           </a:p>
@@ -2508,7 +2507,7 @@
           <a:p>
             <a:fld id="{A95FFBB0-51D8-1047-A4D1-6804AAE3C787}" type="datetimeFigureOut">
               <a:rPr lang="en-US" smtClean="0"/>
-              <a:t>9/12/14</a:t>
+              <a:t>10/3/14</a:t>
             </a:fld>
             <a:endParaRPr lang="en-US"/>
           </a:p>
@@ -2721,7 +2720,7 @@
           <a:p>
             <a:fld id="{A95FFBB0-51D8-1047-A4D1-6804AAE3C787}" type="datetimeFigureOut">
               <a:rPr lang="en-US" smtClean="0"/>
-              <a:t>9/12/14</a:t>
+              <a:t>10/3/14</a:t>
             </a:fld>
             <a:endParaRPr lang="en-US"/>
           </a:p>
@@ -3176,7 +3175,7 @@
         </p:nvSpPr>
         <p:spPr>
           <a:xfrm>
-            <a:off x="4134784" y="1714964"/>
+            <a:off x="4039748" y="1714964"/>
             <a:ext cx="640562" cy="276999"/>
           </a:xfrm>
           <a:prstGeom prst="rect">
@@ -3319,7 +3318,7 @@
         </p:nvSpPr>
         <p:spPr>
           <a:xfrm>
-            <a:off x="5205308" y="2375678"/>
+            <a:off x="5326264" y="2364299"/>
             <a:ext cx="566401" cy="276999"/>
           </a:xfrm>
           <a:prstGeom prst="rect">
@@ -3607,8 +3606,8 @@
         </p:nvSpPr>
         <p:spPr>
           <a:xfrm>
-            <a:off x="1919291" y="1468742"/>
-            <a:ext cx="308290" cy="461665"/>
+            <a:off x="1687424" y="1006055"/>
+            <a:ext cx="308290" cy="784830"/>
           </a:xfrm>
           <a:prstGeom prst="rect">
             <a:avLst/>
@@ -3621,6 +3620,12 @@
           </a:bodyPr>
           <a:lstStyle/>
           <a:p>
+            <a:endParaRPr lang="en-US" sz="2000" dirty="0">
+              <a:latin typeface="Arial Narrow"/>
+              <a:cs typeface="Arial Narrow"/>
+            </a:endParaRPr>
+          </a:p>
+          <a:p>
             <a:r>
               <a:rPr lang="en-US" sz="2400" dirty="0" smtClean="0">
                 <a:latin typeface="Arial"/>
@@ -3639,166 +3644,6 @@
     <p:extLst>
       <p:ext uri="{BB962C8B-B14F-4D97-AF65-F5344CB8AC3E}">
         <p14:creationId xmlns:p14="http://schemas.microsoft.com/office/powerpoint/2010/main" val="594572586"/>
-      </p:ext>
-    </p:extLst>
-  </p:cSld>
-  <p:clrMapOvr>
-    <a:masterClrMapping/>
-  </p:clrMapOvr>
-</p:sld>
-</file>
-
-<file path=ppt/slides/slide2.xml><?xml version="1.0" encoding="utf-8"?>
-<p:sld xmlns:a="http://schemas.openxmlformats.org/drawingml/2006/main" xmlns:r="http://schemas.openxmlformats.org/officeDocument/2006/relationships" xmlns:p="http://schemas.openxmlformats.org/presentationml/2006/main">
-  <p:cSld>
-    <p:spTree>
-      <p:nvGrpSpPr>
-        <p:cNvPr id="1" name=""/>
-        <p:cNvGrpSpPr/>
-        <p:nvPr/>
-      </p:nvGrpSpPr>
-      <p:grpSpPr>
-        <a:xfrm>
-          <a:off x="0" y="0"/>
-          <a:ext cx="0" cy="0"/>
-          <a:chOff x="0" y="0"/>
-          <a:chExt cx="0" cy="0"/>
-        </a:xfrm>
-      </p:grpSpPr>
-      <p:sp>
-        <p:nvSpPr>
-          <p:cNvPr id="6" name="TextBox 5"/>
-          <p:cNvSpPr txBox="1"/>
-          <p:nvPr/>
-        </p:nvSpPr>
-        <p:spPr>
-          <a:xfrm>
-            <a:off x="3386558" y="357870"/>
-            <a:ext cx="2057804" cy="307777"/>
-          </a:xfrm>
-          <a:prstGeom prst="rect">
-            <a:avLst/>
-          </a:prstGeom>
-          <a:noFill/>
-        </p:spPr>
-        <p:txBody>
-          <a:bodyPr wrap="square" rtlCol="0">
-            <a:spAutoFit/>
-          </a:bodyPr>
-          <a:lstStyle/>
-          <a:p>
-            <a:r>
-              <a:rPr lang="en-US" sz="1400" dirty="0" smtClean="0">
-                <a:latin typeface="Arial"/>
-                <a:cs typeface="Arial"/>
-              </a:rPr>
-              <a:t>Empirical Frequencies</a:t>
-            </a:r>
-            <a:endParaRPr lang="en-US" sz="1400" dirty="0">
-              <a:latin typeface="Arial"/>
-              <a:cs typeface="Arial"/>
-            </a:endParaRPr>
-          </a:p>
-        </p:txBody>
-      </p:sp>
-      <p:sp>
-        <p:nvSpPr>
-          <p:cNvPr id="7" name="TextBox 6"/>
-          <p:cNvSpPr txBox="1"/>
-          <p:nvPr/>
-        </p:nvSpPr>
-        <p:spPr>
-          <a:xfrm>
-            <a:off x="3538958" y="3388876"/>
-            <a:ext cx="1611432" cy="307777"/>
-          </a:xfrm>
-          <a:prstGeom prst="rect">
-            <a:avLst/>
-          </a:prstGeom>
-          <a:noFill/>
-        </p:spPr>
-        <p:txBody>
-          <a:bodyPr wrap="square" rtlCol="0">
-            <a:spAutoFit/>
-          </a:bodyPr>
-          <a:lstStyle/>
-          <a:p>
-            <a:r>
-              <a:rPr lang="en-US" sz="1400" dirty="0" smtClean="0">
-                <a:latin typeface="Arial"/>
-                <a:cs typeface="Arial"/>
-              </a:rPr>
-              <a:t>True Frequencies</a:t>
-            </a:r>
-            <a:endParaRPr lang="en-US" sz="1400" dirty="0">
-              <a:latin typeface="Arial"/>
-              <a:cs typeface="Arial"/>
-            </a:endParaRPr>
-          </a:p>
-        </p:txBody>
-      </p:sp>
-      <p:pic>
-        <p:nvPicPr>
-          <p:cNvPr id="2" name="Picture 1" descr="nyp_bias_r2.pdf"/>
-          <p:cNvPicPr>
-            <a:picLocks noChangeAspect="1"/>
-          </p:cNvPicPr>
-          <p:nvPr/>
-        </p:nvPicPr>
-        <p:blipFill rotWithShape="1">
-          <a:blip r:embed="rId2">
-            <a:extLst>
-              <a:ext uri="{28A0092B-C50C-407E-A947-70E740481C1C}">
-                <a14:useLocalDpi xmlns:a14="http://schemas.microsoft.com/office/drawing/2010/main" val="0"/>
-              </a:ext>
-            </a:extLst>
-          </a:blip>
-          <a:srcRect b="49457"/>
-          <a:stretch/>
-        </p:blipFill>
-        <p:spPr>
-          <a:xfrm>
-            <a:off x="1301712" y="635081"/>
-            <a:ext cx="6143686" cy="2484154"/>
-          </a:xfrm>
-          <a:prstGeom prst="rect">
-            <a:avLst/>
-          </a:prstGeom>
-        </p:spPr>
-      </p:pic>
-      <p:pic>
-        <p:nvPicPr>
-          <p:cNvPr id="8" name="Picture 7" descr="nyp_bias_r2.pdf"/>
-          <p:cNvPicPr>
-            <a:picLocks noChangeAspect="1"/>
-          </p:cNvPicPr>
-          <p:nvPr/>
-        </p:nvPicPr>
-        <p:blipFill rotWithShape="1">
-          <a:blip r:embed="rId2">
-            <a:extLst>
-              <a:ext uri="{28A0092B-C50C-407E-A947-70E740481C1C}">
-                <a14:useLocalDpi xmlns:a14="http://schemas.microsoft.com/office/drawing/2010/main" val="0"/>
-              </a:ext>
-            </a:extLst>
-          </a:blip>
-          <a:srcRect t="50543"/>
-          <a:stretch/>
-        </p:blipFill>
-        <p:spPr>
-          <a:xfrm>
-            <a:off x="1301712" y="3685346"/>
-            <a:ext cx="6143686" cy="2430794"/>
-          </a:xfrm>
-          <a:prstGeom prst="rect">
-            <a:avLst/>
-          </a:prstGeom>
-        </p:spPr>
-      </p:pic>
-    </p:spTree>
-    <p:extLst>
-      <p:ext uri="{BB962C8B-B14F-4D97-AF65-F5344CB8AC3E}">
-        <p14:creationId xmlns:p14="http://schemas.microsoft.com/office/powerpoint/2010/main" val="1433082632"/>
       </p:ext>
     </p:extLst>
   </p:cSld>
